--- a/EC210408 - What is the value of EPIC.pptx
+++ b/EC210408 - What is the value of EPIC.pptx
@@ -223,7 +223,7 @@
           <a:p>
             <a:fld id="{A26A9518-A6F0-41B7-BAA2-12C228E5F127}" type="datetimeFigureOut">
               <a:rPr lang="en-US" smtClean="0"/>
-              <a:t>4/29/21</a:t>
+              <a:t>5/1/21</a:t>
             </a:fld>
             <a:endParaRPr lang="en-US" dirty="0"/>
           </a:p>
@@ -2903,7 +2903,7 @@
               <a:t>*To learn more about why this is so, visit </a:t>
             </a:r>
             <a:r>
-              <a:rPr lang="en-GB" sz="1200" dirty="0" err="1">
+              <a:rPr lang="en-GB" sz="1200">
                 <a:solidFill>
                   <a:schemeClr val="bg1">
                     <a:lumMod val="95000"/>
@@ -2912,7 +2912,7 @@
                 <a:latin typeface="Gotham HTF Book" pitchFamily="2" charset="77"/>
                 <a:cs typeface="Arial" pitchFamily="34" charset="0"/>
               </a:rPr>
-              <a:t>freemanuniversity,org</a:t>
+              <a:t>freemanuniversity.org</a:t>
             </a:r>
             <a:endParaRPr lang="en-GB" sz="1200" dirty="0">
               <a:solidFill>
@@ -6845,6 +6845,33 @@
 </file>
 
 <file path=customXml/item1.xml><?xml version="1.0" encoding="utf-8"?>
+<?mso-contentType ?>
+<FormTemplates xmlns="http://schemas.microsoft.com/sharepoint/v3/contenttype/forms">
+  <Display>DocumentLibraryForm</Display>
+  <Edit>DocumentLibraryForm</Edit>
+  <New>DocumentLibraryForm</New>
+</FormTemplates>
+</file>
+
+<file path=customXml/item2.xml><?xml version="1.0" encoding="utf-8"?>
+<p:properties xmlns:p="http://schemas.microsoft.com/office/2006/metadata/properties" xmlns:xsi="http://www.w3.org/2001/XMLSchema-instance" xmlns:pc="http://schemas.microsoft.com/office/infopath/2007/PartnerControls">
+  <documentManagement>
+    <ImageDownloadLink xmlns="e58fabb6-9446-4bf5-a05e-fa4e6ef88448">
+      <Url xsi:nil="true"/>
+      <Description xsi:nil="true"/>
+    </ImageDownloadLink>
+    <Meeting_x0020_Type xmlns="e58fabb6-9446-4bf5-a05e-fa4e6ef88448" xsi:nil="true"/>
+    <Category xmlns="e58fabb6-9446-4bf5-a05e-fa4e6ef88448">Internal Templates</Category>
+    <Surface_x0020_on_x0020_KC_x0020_Home xmlns="e58fabb6-9446-4bf5-a05e-fa4e6ef88448">false</Surface_x0020_on_x0020_KC_x0020_Home>
+    <Display_x0020_Order xmlns="e58fabb6-9446-4bf5-a05e-fa4e6ef88448" xsi:nil="true"/>
+    <Meeting_x0020_Category xmlns="e58fabb6-9446-4bf5-a05e-fa4e6ef88448" xsi:nil="true"/>
+    <fullURL xmlns="e58fabb6-9446-4bf5-a05e-fa4e6ef88448" xsi:nil="true"/>
+    <Show_x0020_as_x0020_Quick_x0020_Link xmlns="e58fabb6-9446-4bf5-a05e-fa4e6ef88448">false</Show_x0020_as_x0020_Quick_x0020_Link>
+  </documentManagement>
+</p:properties>
+</file>
+
+<file path=customXml/item3.xml><?xml version="1.0" encoding="utf-8"?>
 <ct:contentTypeSchema xmlns:ct="http://schemas.microsoft.com/office/2006/metadata/contentType" xmlns:ma="http://schemas.microsoft.com/office/2006/metadata/properties/metaAttributes" ct:_="" ma:_="" ma:contentTypeName="Document" ma:contentTypeID="0x0101007B7576D6F8EB8245B708F7A17FD81F5F" ma:contentTypeVersion="21" ma:contentTypeDescription="Create a new document." ma:contentTypeScope="" ma:versionID="de168e4dcbc3f581b1ae023475bb759b">
   <xsd:schema xmlns:xsd="http://www.w3.org/2001/XMLSchema" xmlns:xs="http://www.w3.org/2001/XMLSchema" xmlns:p="http://schemas.microsoft.com/office/2006/metadata/properties" xmlns:ns2="e58fabb6-9446-4bf5-a05e-fa4e6ef88448" xmlns:ns3="9f684ec6-0857-4470-8cdd-d47a3c7eb6af" targetNamespace="http://schemas.microsoft.com/office/2006/metadata/properties" ma:root="true" ma:fieldsID="1378702afda969161111c22e1aadef58" ns2:_="" ns3:_="">
     <xsd:import namespace="e58fabb6-9446-4bf5-a05e-fa4e6ef88448"/>
@@ -7173,48 +7200,10 @@
 </ct:contentTypeSchema>
 </file>
 
-<file path=customXml/item2.xml><?xml version="1.0" encoding="utf-8"?>
-<p:properties xmlns:p="http://schemas.microsoft.com/office/2006/metadata/properties" xmlns:xsi="http://www.w3.org/2001/XMLSchema-instance" xmlns:pc="http://schemas.microsoft.com/office/infopath/2007/PartnerControls">
-  <documentManagement>
-    <ImageDownloadLink xmlns="e58fabb6-9446-4bf5-a05e-fa4e6ef88448">
-      <Url xsi:nil="true"/>
-      <Description xsi:nil="true"/>
-    </ImageDownloadLink>
-    <Meeting_x0020_Type xmlns="e58fabb6-9446-4bf5-a05e-fa4e6ef88448" xsi:nil="true"/>
-    <Category xmlns="e58fabb6-9446-4bf5-a05e-fa4e6ef88448">Internal Templates</Category>
-    <Surface_x0020_on_x0020_KC_x0020_Home xmlns="e58fabb6-9446-4bf5-a05e-fa4e6ef88448">false</Surface_x0020_on_x0020_KC_x0020_Home>
-    <Display_x0020_Order xmlns="e58fabb6-9446-4bf5-a05e-fa4e6ef88448" xsi:nil="true"/>
-    <Meeting_x0020_Category xmlns="e58fabb6-9446-4bf5-a05e-fa4e6ef88448" xsi:nil="true"/>
-    <fullURL xmlns="e58fabb6-9446-4bf5-a05e-fa4e6ef88448" xsi:nil="true"/>
-    <Show_x0020_as_x0020_Quick_x0020_Link xmlns="e58fabb6-9446-4bf5-a05e-fa4e6ef88448">false</Show_x0020_as_x0020_Quick_x0020_Link>
-  </documentManagement>
-</p:properties>
-</file>
-
-<file path=customXml/item3.xml><?xml version="1.0" encoding="utf-8"?>
-<?mso-contentType ?>
-<FormTemplates xmlns="http://schemas.microsoft.com/sharepoint/v3/contenttype/forms">
-  <Display>DocumentLibraryForm</Display>
-  <Edit>DocumentLibraryForm</Edit>
-  <New>DocumentLibraryForm</New>
-</FormTemplates>
-</file>
-
 <file path=customXml/itemProps1.xml><?xml version="1.0" encoding="utf-8"?>
-<ds:datastoreItem xmlns:ds="http://schemas.openxmlformats.org/officeDocument/2006/customXml" ds:itemID="{6E9B7BB3-0B5C-4AB0-BF58-BFF16BDDF32A}">
+<ds:datastoreItem xmlns:ds="http://schemas.openxmlformats.org/officeDocument/2006/customXml" ds:itemID="{5B660CEF-FDB7-4107-9D10-142604AF315F}">
   <ds:schemaRefs>
-    <ds:schemaRef ds:uri="http://schemas.microsoft.com/office/2006/metadata/contentType"/>
-    <ds:schemaRef ds:uri="http://schemas.microsoft.com/office/2006/metadata/properties/metaAttributes"/>
-    <ds:schemaRef ds:uri="http://www.w3.org/2001/XMLSchema"/>
-    <ds:schemaRef ds:uri="http://schemas.microsoft.com/office/2006/metadata/properties"/>
-    <ds:schemaRef ds:uri="e58fabb6-9446-4bf5-a05e-fa4e6ef88448"/>
-    <ds:schemaRef ds:uri="9f684ec6-0857-4470-8cdd-d47a3c7eb6af"/>
-    <ds:schemaRef ds:uri="http://schemas.microsoft.com/office/2006/documentManagement/types"/>
-    <ds:schemaRef ds:uri="http://schemas.microsoft.com/office/infopath/2007/PartnerControls"/>
-    <ds:schemaRef ds:uri="http://schemas.openxmlformats.org/package/2006/metadata/core-properties"/>
-    <ds:schemaRef ds:uri="http://purl.org/dc/elements/1.1/"/>
-    <ds:schemaRef ds:uri="http://purl.org/dc/terms/"/>
-    <ds:schemaRef ds:uri="http://schemas.microsoft.com/internal/obd"/>
+    <ds:schemaRef ds:uri="http://schemas.microsoft.com/sharepoint/v3/contenttype/forms"/>
   </ds:schemaRefs>
 </ds:datastoreItem>
 </file>
@@ -7237,9 +7226,20 @@
 </file>
 
 <file path=customXml/itemProps3.xml><?xml version="1.0" encoding="utf-8"?>
-<ds:datastoreItem xmlns:ds="http://schemas.openxmlformats.org/officeDocument/2006/customXml" ds:itemID="{5B660CEF-FDB7-4107-9D10-142604AF315F}">
+<ds:datastoreItem xmlns:ds="http://schemas.openxmlformats.org/officeDocument/2006/customXml" ds:itemID="{6E9B7BB3-0B5C-4AB0-BF58-BFF16BDDF32A}">
   <ds:schemaRefs>
-    <ds:schemaRef ds:uri="http://schemas.microsoft.com/sharepoint/v3/contenttype/forms"/>
+    <ds:schemaRef ds:uri="http://schemas.microsoft.com/office/2006/metadata/contentType"/>
+    <ds:schemaRef ds:uri="http://schemas.microsoft.com/office/2006/metadata/properties/metaAttributes"/>
+    <ds:schemaRef ds:uri="http://www.w3.org/2001/XMLSchema"/>
+    <ds:schemaRef ds:uri="http://schemas.microsoft.com/office/2006/metadata/properties"/>
+    <ds:schemaRef ds:uri="e58fabb6-9446-4bf5-a05e-fa4e6ef88448"/>
+    <ds:schemaRef ds:uri="9f684ec6-0857-4470-8cdd-d47a3c7eb6af"/>
+    <ds:schemaRef ds:uri="http://schemas.microsoft.com/office/2006/documentManagement/types"/>
+    <ds:schemaRef ds:uri="http://schemas.microsoft.com/office/infopath/2007/PartnerControls"/>
+    <ds:schemaRef ds:uri="http://schemas.openxmlformats.org/package/2006/metadata/core-properties"/>
+    <ds:schemaRef ds:uri="http://purl.org/dc/elements/1.1/"/>
+    <ds:schemaRef ds:uri="http://purl.org/dc/terms/"/>
+    <ds:schemaRef ds:uri="http://schemas.microsoft.com/internal/obd"/>
   </ds:schemaRefs>
 </ds:datastoreItem>
 </file>